--- a/6 сессия/Приложение доставки.pptx
+++ b/6 сессия/Приложение доставки.pptx
@@ -14,7 +14,7 @@
     <p:sldId id="256" r:id="rId5"/>
     <p:sldId id="277" r:id="rId6"/>
     <p:sldId id="262" r:id="rId7"/>
-    <p:sldId id="295" r:id="rId8"/>
+    <p:sldId id="297" r:id="rId8"/>
     <p:sldId id="296" r:id="rId9"/>
   </p:sldIdLst>
   <p:sldSz cx="12192000" cy="6858000"/>
@@ -16803,7 +16803,7 @@
           <p:cNvPr id="2" name="Заголовок 1">
             <a:extLst>
               <a:ext uri="{FF2B5EF4-FFF2-40B4-BE49-F238E27FC236}">
-                <a16:creationId xmlns:a16="http://schemas.microsoft.com/office/drawing/2014/main" id="{C003C10A-E360-47A5-AAE5-1CBC6DE4E9DA}"/>
+                <a16:creationId xmlns:a16="http://schemas.microsoft.com/office/drawing/2014/main" id="{E2B96E03-1D64-4379-81D3-E12E7DBEF9EF}"/>
               </a:ext>
             </a:extLst>
           </p:cNvPr>
@@ -16814,67 +16814,118 @@
             <p:ph type="title"/>
           </p:nvPr>
         </p:nvSpPr>
-        <p:spPr>
-          <a:xfrm>
-            <a:off x="1333499" y="1020445"/>
-            <a:ext cx="5067301" cy="1166495"/>
-          </a:xfrm>
-        </p:spPr>
+        <p:spPr/>
+        <p:txBody>
+          <a:bodyPr>
+            <a:normAutofit fontScale="90000"/>
+          </a:bodyPr>
+          <a:lstStyle/>
+          <a:p>
+            <a:r>
+              <a:rPr lang="ru-RU" dirty="0"/>
+              <a:t>Используемая архитектура - слоистая</a:t>
+            </a:r>
+          </a:p>
+        </p:txBody>
+      </p:sp>
+      <p:sp>
+        <p:nvSpPr>
+          <p:cNvPr id="3" name="Объект 2">
+            <a:extLst>
+              <a:ext uri="{FF2B5EF4-FFF2-40B4-BE49-F238E27FC236}">
+                <a16:creationId xmlns:a16="http://schemas.microsoft.com/office/drawing/2014/main" id="{F1F1F8DA-FD9C-4DF6-A127-D0E5F571A28A}"/>
+              </a:ext>
+            </a:extLst>
+          </p:cNvPr>
+          <p:cNvSpPr>
+            <a:spLocks noGrp="1"/>
+          </p:cNvSpPr>
+          <p:nvPr>
+            <p:ph idx="1"/>
+          </p:nvPr>
+        </p:nvSpPr>
+        <p:spPr>
+          <a:xfrm>
+            <a:off x="1333499" y="2494054"/>
+            <a:ext cx="4202806" cy="3105558"/>
+          </a:xfrm>
+        </p:spPr>
+        <p:txBody>
+          <a:bodyPr>
+            <a:normAutofit lnSpcReduction="10000"/>
+          </a:bodyPr>
+          <a:lstStyle/>
+          <a:p>
+            <a:r>
+              <a:rPr lang="ru-RU" dirty="0"/>
+              <a:t>-Слой </a:t>
+            </a:r>
+            <a:r>
+              <a:rPr lang="en-US" dirty="0"/>
+              <a:t>UI</a:t>
+            </a:r>
+            <a:r>
+              <a:rPr lang="ru-RU" dirty="0"/>
+              <a:t>, который отображает данные приложения на экране.</a:t>
+            </a:r>
+          </a:p>
+          <a:p>
+            <a:r>
+              <a:rPr lang="ru-RU" dirty="0"/>
+              <a:t>-Бизнес-логика, здесь выполняются все операции, связанные с обработкой данных, вычислениями, взаимодействием с внешними системами и принятием решений на основе бизнес-правил. </a:t>
+            </a:r>
+          </a:p>
+          <a:p>
+            <a:r>
+              <a:rPr lang="ru-RU" dirty="0"/>
+              <a:t>-Слой данных, отвечает за доступ и управление данными системы. Он обеспечивает взаимодействие с базами данных, файловыми системами или другими источниками данных. </a:t>
+            </a:r>
+          </a:p>
+        </p:txBody>
+      </p:sp>
+      <p:sp>
+        <p:nvSpPr>
+          <p:cNvPr id="4" name="Дата 3">
+            <a:extLst>
+              <a:ext uri="{FF2B5EF4-FFF2-40B4-BE49-F238E27FC236}">
+                <a16:creationId xmlns:a16="http://schemas.microsoft.com/office/drawing/2014/main" id="{289D6F7B-477C-4CEE-B542-E8089225587C}"/>
+              </a:ext>
+            </a:extLst>
+          </p:cNvPr>
+          <p:cNvSpPr>
+            <a:spLocks noGrp="1"/>
+          </p:cNvSpPr>
+          <p:nvPr>
+            <p:ph type="dt" sz="half" idx="10"/>
+          </p:nvPr>
+        </p:nvSpPr>
+        <p:spPr/>
         <p:txBody>
           <a:bodyPr/>
           <a:lstStyle/>
           <a:p>
-            <a:r>
-              <a:rPr lang="ru-RU" dirty="0"/>
-              <a:t>Библиотеки</a:t>
-            </a:r>
-          </a:p>
-        </p:txBody>
-      </p:sp>
-      <p:sp>
-        <p:nvSpPr>
-          <p:cNvPr id="3" name="Объект 2">
-            <a:extLst>
-              <a:ext uri="{FF2B5EF4-FFF2-40B4-BE49-F238E27FC236}">
-                <a16:creationId xmlns:a16="http://schemas.microsoft.com/office/drawing/2014/main" id="{478BF447-A493-4CD4-8979-15D223F1D24D}"/>
-              </a:ext>
-            </a:extLst>
-          </p:cNvPr>
-          <p:cNvSpPr>
-            <a:spLocks noGrp="1"/>
-          </p:cNvSpPr>
-          <p:nvPr>
-            <p:ph idx="1"/>
-          </p:nvPr>
-        </p:nvSpPr>
-        <p:spPr/>
-        <p:txBody>
-          <a:bodyPr>
-            <a:normAutofit/>
-          </a:bodyPr>
-          <a:lstStyle/>
-          <a:p>
-            <a:r>
-              <a:rPr lang="ru-RU" dirty="0"/>
-              <a:t>В приложении не использовались никакие библиотеки.</a:t>
-            </a:r>
-          </a:p>
-        </p:txBody>
-      </p:sp>
-      <p:sp>
-        <p:nvSpPr>
-          <p:cNvPr id="4" name="Дата 3">
-            <a:extLst>
-              <a:ext uri="{FF2B5EF4-FFF2-40B4-BE49-F238E27FC236}">
-                <a16:creationId xmlns:a16="http://schemas.microsoft.com/office/drawing/2014/main" id="{C07DFD7E-09C3-4B55-AD8E-00ABE27412B5}"/>
-              </a:ext>
-            </a:extLst>
-          </p:cNvPr>
-          <p:cNvSpPr>
-            <a:spLocks noGrp="1"/>
-          </p:cNvSpPr>
-          <p:nvPr>
-            <p:ph type="dt" sz="half" idx="10"/>
+            <a:pPr rtl="0"/>
+            <a:r>
+              <a:rPr lang="ru-RU" noProof="0"/>
+              <a:t>20XX</a:t>
+            </a:r>
+          </a:p>
+        </p:txBody>
+      </p:sp>
+      <p:sp>
+        <p:nvSpPr>
+          <p:cNvPr id="5" name="Нижний колонтитул 4">
+            <a:extLst>
+              <a:ext uri="{FF2B5EF4-FFF2-40B4-BE49-F238E27FC236}">
+                <a16:creationId xmlns:a16="http://schemas.microsoft.com/office/drawing/2014/main" id="{E7CD8F03-E66E-4847-8B33-30103B64118F}"/>
+              </a:ext>
+            </a:extLst>
+          </p:cNvPr>
+          <p:cNvSpPr>
+            <a:spLocks noGrp="1"/>
+          </p:cNvSpPr>
+          <p:nvPr>
+            <p:ph type="ftr" sz="quarter" idx="11"/>
           </p:nvPr>
         </p:nvSpPr>
         <p:spPr/>
@@ -16885,35 +16936,6 @@
             <a:pPr rtl="0"/>
             <a:r>
               <a:rPr lang="ru-RU" noProof="0"/>
-              <a:t>20XX</a:t>
-            </a:r>
-          </a:p>
-        </p:txBody>
-      </p:sp>
-      <p:sp>
-        <p:nvSpPr>
-          <p:cNvPr id="5" name="Нижний колонтитул 4">
-            <a:extLst>
-              <a:ext uri="{FF2B5EF4-FFF2-40B4-BE49-F238E27FC236}">
-                <a16:creationId xmlns:a16="http://schemas.microsoft.com/office/drawing/2014/main" id="{CCF52A78-C108-4A81-9203-ABBA741A0867}"/>
-              </a:ext>
-            </a:extLst>
-          </p:cNvPr>
-          <p:cNvSpPr>
-            <a:spLocks noGrp="1"/>
-          </p:cNvSpPr>
-          <p:nvPr>
-            <p:ph type="ftr" sz="quarter" idx="11"/>
-          </p:nvPr>
-        </p:nvSpPr>
-        <p:spPr/>
-        <p:txBody>
-          <a:bodyPr/>
-          <a:lstStyle/>
-          <a:p>
-            <a:pPr rtl="0"/>
-            <a:r>
-              <a:rPr lang="ru-RU" noProof="0"/>
               <a:t>Набор слайдов для презентации</a:t>
             </a:r>
           </a:p>
@@ -16924,7 +16946,7 @@
           <p:cNvPr id="6" name="Номер слайда 5">
             <a:extLst>
               <a:ext uri="{FF2B5EF4-FFF2-40B4-BE49-F238E27FC236}">
-                <a16:creationId xmlns:a16="http://schemas.microsoft.com/office/drawing/2014/main" id="{4E93E43E-DB42-4464-A225-D6F25D365BE1}"/>
+                <a16:creationId xmlns:a16="http://schemas.microsoft.com/office/drawing/2014/main" id="{5C62DE59-3FF7-4EE3-A697-01B03BE30E1E}"/>
               </a:ext>
             </a:extLst>
           </p:cNvPr>
@@ -16949,10 +16971,55 @@
           </a:p>
         </p:txBody>
       </p:sp>
+      <p:pic>
+        <p:nvPicPr>
+          <p:cNvPr id="1026" name="Picture 2">
+            <a:extLst>
+              <a:ext uri="{FF2B5EF4-FFF2-40B4-BE49-F238E27FC236}">
+                <a16:creationId xmlns:a16="http://schemas.microsoft.com/office/drawing/2014/main" id="{4D7002D0-ADF9-42B7-9644-05A100E78703}"/>
+              </a:ext>
+            </a:extLst>
+          </p:cNvPr>
+          <p:cNvPicPr>
+            <a:picLocks noChangeAspect="1" noChangeArrowheads="1"/>
+          </p:cNvPicPr>
+          <p:nvPr/>
+        </p:nvPicPr>
+        <p:blipFill rotWithShape="1">
+          <a:blip r:embed="rId2">
+            <a:extLst>
+              <a:ext uri="{28A0092B-C50C-407E-A947-70E740481C1C}">
+                <a14:useLocalDpi xmlns:a14="http://schemas.microsoft.com/office/drawing/2010/main" val="0"/>
+              </a:ext>
+            </a:extLst>
+          </a:blip>
+          <a:srcRect t="14549"/>
+          <a:stretch/>
+        </p:blipFill>
+        <p:spPr bwMode="auto">
+          <a:xfrm>
+            <a:off x="5817324" y="1846216"/>
+            <a:ext cx="5347063" cy="3426822"/>
+          </a:xfrm>
+          <a:prstGeom prst="rect">
+            <a:avLst/>
+          </a:prstGeom>
+          <a:noFill/>
+          <a:extLst>
+            <a:ext uri="{909E8E84-426E-40DD-AFC4-6F175D3DCCD1}">
+              <a14:hiddenFill xmlns:a14="http://schemas.microsoft.com/office/drawing/2010/main">
+                <a:solidFill>
+                  <a:srgbClr val="FFFFFF"/>
+                </a:solidFill>
+              </a14:hiddenFill>
+            </a:ext>
+          </a:extLst>
+        </p:spPr>
+      </p:pic>
     </p:spTree>
     <p:extLst>
       <p:ext uri="{BB962C8B-B14F-4D97-AF65-F5344CB8AC3E}">
-        <p14:creationId xmlns:p14="http://schemas.microsoft.com/office/powerpoint/2010/main" val="311377445"/>
+        <p14:creationId xmlns:p14="http://schemas.microsoft.com/office/powerpoint/2010/main" val="830480178"/>
       </p:ext>
     </p:extLst>
   </p:cSld>
@@ -18161,6 +18228,34 @@
 </file>
 
 <file path=customXml/item1.xml><?xml version="1.0" encoding="utf-8"?>
+<p:properties xmlns:p="http://schemas.microsoft.com/office/2006/metadata/properties" xmlns:xsi="http://www.w3.org/2001/XMLSchema-instance" xmlns:pc="http://schemas.microsoft.com/office/infopath/2007/PartnerControls">
+  <documentManagement>
+    <_ip_UnifiedCompliancePolicyUIAction xmlns="http://schemas.microsoft.com/sharepoint/v3" xsi:nil="true"/>
+    <Image xmlns="71af3243-3dd4-4a8d-8c0d-dd76da1f02a5">
+      <Url xsi:nil="true"/>
+      <Description xsi:nil="true"/>
+    </Image>
+    <Status xmlns="71af3243-3dd4-4a8d-8c0d-dd76da1f02a5">Not started</Status>
+    <_ip_UnifiedCompliancePolicyProperties xmlns="http://schemas.microsoft.com/sharepoint/v3" xsi:nil="true"/>
+    <ImageTagsTaxHTField xmlns="71af3243-3dd4-4a8d-8c0d-dd76da1f02a5">
+      <Terms xmlns="http://schemas.microsoft.com/office/infopath/2007/PartnerControls"/>
+    </ImageTagsTaxHTField>
+    <TaxCatchAll xmlns="230e9df3-be65-4c73-a93b-d1236ebd677e"/>
+    <MediaServiceKeyPoints xmlns="71af3243-3dd4-4a8d-8c0d-dd76da1f02a5" xsi:nil="true"/>
+  </documentManagement>
+</p:properties>
+</file>
+
+<file path=customXml/item2.xml><?xml version="1.0" encoding="utf-8"?>
+<?mso-contentType ?>
+<FormTemplates xmlns="http://schemas.microsoft.com/sharepoint/v3/contenttype/forms">
+  <Display>DocumentLibraryForm</Display>
+  <Edit>DocumentLibraryForm</Edit>
+  <New>DocumentLibraryForm</New>
+</FormTemplates>
+</file>
+
+<file path=customXml/item3.xml><?xml version="1.0" encoding="utf-8"?>
 <ct:contentTypeSchema xmlns:ct="http://schemas.microsoft.com/office/2006/metadata/contentType" xmlns:ma="http://schemas.microsoft.com/office/2006/metadata/properties/metaAttributes" ct:_="" ma:_="" ma:contentTypeName="Document" ma:contentTypeID="0x01010079F111ED35F8CC479449609E8A0923A6" ma:contentTypeVersion="20" ma:contentTypeDescription="Create a new document." ma:contentTypeScope="" ma:versionID="1267097ee5f5874adfcc408041ae252e">
   <xsd:schema xmlns:xsd="http://www.w3.org/2001/XMLSchema" xmlns:xs="http://www.w3.org/2001/XMLSchema" xmlns:p="http://schemas.microsoft.com/office/2006/metadata/properties" xmlns:ns1="http://schemas.microsoft.com/sharepoint/v3" xmlns:ns2="71af3243-3dd4-4a8d-8c0d-dd76da1f02a5" xmlns:ns3="16c05727-aa75-4e4a-9b5f-8a80a1165891" xmlns:ns4="230e9df3-be65-4c73-a93b-d1236ebd677e" targetNamespace="http://schemas.microsoft.com/office/2006/metadata/properties" ma:root="true" ma:fieldsID="395891a93df65b14727750f2c06c306c" ns1:_="" ns2:_="" ns3:_="" ns4:_="">
     <xsd:import namespace="http://schemas.microsoft.com/sharepoint/v3"/>
@@ -18436,35 +18531,27 @@
 </ct:contentTypeSchema>
 </file>
 
-<file path=customXml/item2.xml><?xml version="1.0" encoding="utf-8"?>
-<?mso-contentType ?>
-<FormTemplates xmlns="http://schemas.microsoft.com/sharepoint/v3/contenttype/forms">
-  <Display>DocumentLibraryForm</Display>
-  <Edit>DocumentLibraryForm</Edit>
-  <New>DocumentLibraryForm</New>
-</FormTemplates>
+<file path=customXml/itemProps1.xml><?xml version="1.0" encoding="utf-8"?>
+<ds:datastoreItem xmlns:ds="http://schemas.openxmlformats.org/officeDocument/2006/customXml" ds:itemID="{7F97B18F-50BC-4F30-8373-93489E845F83}">
+  <ds:schemaRefs>
+    <ds:schemaRef ds:uri="http://schemas.microsoft.com/office/2006/metadata/properties"/>
+    <ds:schemaRef ds:uri="http://schemas.microsoft.com/office/infopath/2007/PartnerControls"/>
+    <ds:schemaRef ds:uri="http://schemas.microsoft.com/sharepoint/v3"/>
+    <ds:schemaRef ds:uri="71af3243-3dd4-4a8d-8c0d-dd76da1f02a5"/>
+    <ds:schemaRef ds:uri="230e9df3-be65-4c73-a93b-d1236ebd677e"/>
+  </ds:schemaRefs>
+</ds:datastoreItem>
 </file>
 
-<file path=customXml/item3.xml><?xml version="1.0" encoding="utf-8"?>
-<p:properties xmlns:p="http://schemas.microsoft.com/office/2006/metadata/properties" xmlns:xsi="http://www.w3.org/2001/XMLSchema-instance" xmlns:pc="http://schemas.microsoft.com/office/infopath/2007/PartnerControls">
-  <documentManagement>
-    <_ip_UnifiedCompliancePolicyUIAction xmlns="http://schemas.microsoft.com/sharepoint/v3" xsi:nil="true"/>
-    <Image xmlns="71af3243-3dd4-4a8d-8c0d-dd76da1f02a5">
-      <Url xsi:nil="true"/>
-      <Description xsi:nil="true"/>
-    </Image>
-    <Status xmlns="71af3243-3dd4-4a8d-8c0d-dd76da1f02a5">Not started</Status>
-    <_ip_UnifiedCompliancePolicyProperties xmlns="http://schemas.microsoft.com/sharepoint/v3" xsi:nil="true"/>
-    <ImageTagsTaxHTField xmlns="71af3243-3dd4-4a8d-8c0d-dd76da1f02a5">
-      <Terms xmlns="http://schemas.microsoft.com/office/infopath/2007/PartnerControls"/>
-    </ImageTagsTaxHTField>
-    <TaxCatchAll xmlns="230e9df3-be65-4c73-a93b-d1236ebd677e"/>
-    <MediaServiceKeyPoints xmlns="71af3243-3dd4-4a8d-8c0d-dd76da1f02a5" xsi:nil="true"/>
-  </documentManagement>
-</p:properties>
+<file path=customXml/itemProps2.xml><?xml version="1.0" encoding="utf-8"?>
+<ds:datastoreItem xmlns:ds="http://schemas.openxmlformats.org/officeDocument/2006/customXml" ds:itemID="{42BC90D6-94CF-42F7-AAC4-9CF6824C54D5}">
+  <ds:schemaRefs>
+    <ds:schemaRef ds:uri="http://schemas.microsoft.com/sharepoint/v3/contenttype/forms"/>
+  </ds:schemaRefs>
+</ds:datastoreItem>
 </file>
 
-<file path=customXml/itemProps1.xml><?xml version="1.0" encoding="utf-8"?>
+<file path=customXml/itemProps3.xml><?xml version="1.0" encoding="utf-8"?>
 <ds:datastoreItem xmlns:ds="http://schemas.openxmlformats.org/officeDocument/2006/customXml" ds:itemID="{64CF2EF3-001F-4BE9-81B3-86ECBBF9425F}">
   <ds:schemaRefs>
     <ds:schemaRef ds:uri="http://schemas.microsoft.com/office/2006/metadata/contentType"/>
@@ -18485,26 +18572,6 @@
 </ds:datastoreItem>
 </file>
 
-<file path=customXml/itemProps2.xml><?xml version="1.0" encoding="utf-8"?>
-<ds:datastoreItem xmlns:ds="http://schemas.openxmlformats.org/officeDocument/2006/customXml" ds:itemID="{42BC90D6-94CF-42F7-AAC4-9CF6824C54D5}">
-  <ds:schemaRefs>
-    <ds:schemaRef ds:uri="http://schemas.microsoft.com/sharepoint/v3/contenttype/forms"/>
-  </ds:schemaRefs>
-</ds:datastoreItem>
-</file>
-
-<file path=customXml/itemProps3.xml><?xml version="1.0" encoding="utf-8"?>
-<ds:datastoreItem xmlns:ds="http://schemas.openxmlformats.org/officeDocument/2006/customXml" ds:itemID="{7F97B18F-50BC-4F30-8373-93489E845F83}">
-  <ds:schemaRefs>
-    <ds:schemaRef ds:uri="http://schemas.microsoft.com/office/2006/metadata/properties"/>
-    <ds:schemaRef ds:uri="http://schemas.microsoft.com/office/infopath/2007/PartnerControls"/>
-    <ds:schemaRef ds:uri="http://schemas.microsoft.com/sharepoint/v3"/>
-    <ds:schemaRef ds:uri="71af3243-3dd4-4a8d-8c0d-dd76da1f02a5"/>
-    <ds:schemaRef ds:uri="230e9df3-be65-4c73-a93b-d1236ebd677e"/>
-  </ds:schemaRefs>
-</ds:datastoreItem>
-</file>
-
 <file path=docMetadata/LabelInfo.xml><?xml version="1.0" encoding="utf-8"?>
 <clbl:labelList xmlns:clbl="http://schemas.microsoft.com/office/2020/mipLabelMetadata">
   <clbl:label id="{f42aa342-8706-4288-bd11-ebb85995028c}" enabled="1" method="Standard" siteId="{72f988bf-86f1-41af-91ab-2d7cd011db47}" removed="0"/>

--- a/6 сессия/Приложение доставки.pptx
+++ b/6 сессия/Приложение доставки.pptx
@@ -16885,64 +16885,6 @@
       </p:sp>
       <p:sp>
         <p:nvSpPr>
-          <p:cNvPr id="4" name="Дата 3">
-            <a:extLst>
-              <a:ext uri="{FF2B5EF4-FFF2-40B4-BE49-F238E27FC236}">
-                <a16:creationId xmlns:a16="http://schemas.microsoft.com/office/drawing/2014/main" id="{289D6F7B-477C-4CEE-B542-E8089225587C}"/>
-              </a:ext>
-            </a:extLst>
-          </p:cNvPr>
-          <p:cNvSpPr>
-            <a:spLocks noGrp="1"/>
-          </p:cNvSpPr>
-          <p:nvPr>
-            <p:ph type="dt" sz="half" idx="10"/>
-          </p:nvPr>
-        </p:nvSpPr>
-        <p:spPr/>
-        <p:txBody>
-          <a:bodyPr/>
-          <a:lstStyle/>
-          <a:p>
-            <a:pPr rtl="0"/>
-            <a:r>
-              <a:rPr lang="ru-RU" noProof="0"/>
-              <a:t>20XX</a:t>
-            </a:r>
-          </a:p>
-        </p:txBody>
-      </p:sp>
-      <p:sp>
-        <p:nvSpPr>
-          <p:cNvPr id="5" name="Нижний колонтитул 4">
-            <a:extLst>
-              <a:ext uri="{FF2B5EF4-FFF2-40B4-BE49-F238E27FC236}">
-                <a16:creationId xmlns:a16="http://schemas.microsoft.com/office/drawing/2014/main" id="{E7CD8F03-E66E-4847-8B33-30103B64118F}"/>
-              </a:ext>
-            </a:extLst>
-          </p:cNvPr>
-          <p:cNvSpPr>
-            <a:spLocks noGrp="1"/>
-          </p:cNvSpPr>
-          <p:nvPr>
-            <p:ph type="ftr" sz="quarter" idx="11"/>
-          </p:nvPr>
-        </p:nvSpPr>
-        <p:spPr/>
-        <p:txBody>
-          <a:bodyPr/>
-          <a:lstStyle/>
-          <a:p>
-            <a:pPr rtl="0"/>
-            <a:r>
-              <a:rPr lang="ru-RU" noProof="0"/>
-              <a:t>Набор слайдов для презентации</a:t>
-            </a:r>
-          </a:p>
-        </p:txBody>
-      </p:sp>
-      <p:sp>
-        <p:nvSpPr>
           <p:cNvPr id="6" name="Номер слайда 5">
             <a:extLst>
               <a:ext uri="{FF2B5EF4-FFF2-40B4-BE49-F238E27FC236}">
@@ -17108,64 +17050,6 @@
           </a:xfrm>
         </p:spPr>
       </p:pic>
-      <p:sp>
-        <p:nvSpPr>
-          <p:cNvPr id="4" name="Дата 3">
-            <a:extLst>
-              <a:ext uri="{FF2B5EF4-FFF2-40B4-BE49-F238E27FC236}">
-                <a16:creationId xmlns:a16="http://schemas.microsoft.com/office/drawing/2014/main" id="{8A66F14F-7EB9-4AD0-815B-BC6B8BCDCC62}"/>
-              </a:ext>
-            </a:extLst>
-          </p:cNvPr>
-          <p:cNvSpPr>
-            <a:spLocks noGrp="1"/>
-          </p:cNvSpPr>
-          <p:nvPr>
-            <p:ph type="dt" sz="half" idx="10"/>
-          </p:nvPr>
-        </p:nvSpPr>
-        <p:spPr/>
-        <p:txBody>
-          <a:bodyPr/>
-          <a:lstStyle/>
-          <a:p>
-            <a:pPr rtl="0"/>
-            <a:r>
-              <a:rPr lang="ru-RU" noProof="0"/>
-              <a:t>20XX</a:t>
-            </a:r>
-          </a:p>
-        </p:txBody>
-      </p:sp>
-      <p:sp>
-        <p:nvSpPr>
-          <p:cNvPr id="5" name="Нижний колонтитул 4">
-            <a:extLst>
-              <a:ext uri="{FF2B5EF4-FFF2-40B4-BE49-F238E27FC236}">
-                <a16:creationId xmlns:a16="http://schemas.microsoft.com/office/drawing/2014/main" id="{4CB882AD-321F-400D-ABA6-83686F903A58}"/>
-              </a:ext>
-            </a:extLst>
-          </p:cNvPr>
-          <p:cNvSpPr>
-            <a:spLocks noGrp="1"/>
-          </p:cNvSpPr>
-          <p:nvPr>
-            <p:ph type="ftr" sz="quarter" idx="11"/>
-          </p:nvPr>
-        </p:nvSpPr>
-        <p:spPr/>
-        <p:txBody>
-          <a:bodyPr/>
-          <a:lstStyle/>
-          <a:p>
-            <a:pPr rtl="0"/>
-            <a:r>
-              <a:rPr lang="ru-RU" noProof="0"/>
-              <a:t>Набор слайдов для презентации</a:t>
-            </a:r>
-          </a:p>
-        </p:txBody>
-      </p:sp>
       <p:sp>
         <p:nvSpPr>
           <p:cNvPr id="6" name="Номер слайда 5">
@@ -18228,34 +18112,6 @@
 </file>
 
 <file path=customXml/item1.xml><?xml version="1.0" encoding="utf-8"?>
-<p:properties xmlns:p="http://schemas.microsoft.com/office/2006/metadata/properties" xmlns:xsi="http://www.w3.org/2001/XMLSchema-instance" xmlns:pc="http://schemas.microsoft.com/office/infopath/2007/PartnerControls">
-  <documentManagement>
-    <_ip_UnifiedCompliancePolicyUIAction xmlns="http://schemas.microsoft.com/sharepoint/v3" xsi:nil="true"/>
-    <Image xmlns="71af3243-3dd4-4a8d-8c0d-dd76da1f02a5">
-      <Url xsi:nil="true"/>
-      <Description xsi:nil="true"/>
-    </Image>
-    <Status xmlns="71af3243-3dd4-4a8d-8c0d-dd76da1f02a5">Not started</Status>
-    <_ip_UnifiedCompliancePolicyProperties xmlns="http://schemas.microsoft.com/sharepoint/v3" xsi:nil="true"/>
-    <ImageTagsTaxHTField xmlns="71af3243-3dd4-4a8d-8c0d-dd76da1f02a5">
-      <Terms xmlns="http://schemas.microsoft.com/office/infopath/2007/PartnerControls"/>
-    </ImageTagsTaxHTField>
-    <TaxCatchAll xmlns="230e9df3-be65-4c73-a93b-d1236ebd677e"/>
-    <MediaServiceKeyPoints xmlns="71af3243-3dd4-4a8d-8c0d-dd76da1f02a5" xsi:nil="true"/>
-  </documentManagement>
-</p:properties>
-</file>
-
-<file path=customXml/item2.xml><?xml version="1.0" encoding="utf-8"?>
-<?mso-contentType ?>
-<FormTemplates xmlns="http://schemas.microsoft.com/sharepoint/v3/contenttype/forms">
-  <Display>DocumentLibraryForm</Display>
-  <Edit>DocumentLibraryForm</Edit>
-  <New>DocumentLibraryForm</New>
-</FormTemplates>
-</file>
-
-<file path=customXml/item3.xml><?xml version="1.0" encoding="utf-8"?>
 <ct:contentTypeSchema xmlns:ct="http://schemas.microsoft.com/office/2006/metadata/contentType" xmlns:ma="http://schemas.microsoft.com/office/2006/metadata/properties/metaAttributes" ct:_="" ma:_="" ma:contentTypeName="Document" ma:contentTypeID="0x01010079F111ED35F8CC479449609E8A0923A6" ma:contentTypeVersion="20" ma:contentTypeDescription="Create a new document." ma:contentTypeScope="" ma:versionID="1267097ee5f5874adfcc408041ae252e">
   <xsd:schema xmlns:xsd="http://www.w3.org/2001/XMLSchema" xmlns:xs="http://www.w3.org/2001/XMLSchema" xmlns:p="http://schemas.microsoft.com/office/2006/metadata/properties" xmlns:ns1="http://schemas.microsoft.com/sharepoint/v3" xmlns:ns2="71af3243-3dd4-4a8d-8c0d-dd76da1f02a5" xmlns:ns3="16c05727-aa75-4e4a-9b5f-8a80a1165891" xmlns:ns4="230e9df3-be65-4c73-a93b-d1236ebd677e" targetNamespace="http://schemas.microsoft.com/office/2006/metadata/properties" ma:root="true" ma:fieldsID="395891a93df65b14727750f2c06c306c" ns1:_="" ns2:_="" ns3:_="" ns4:_="">
     <xsd:import namespace="http://schemas.microsoft.com/sharepoint/v3"/>
@@ -18531,27 +18387,35 @@
 </ct:contentTypeSchema>
 </file>
 
-<file path=customXml/itemProps1.xml><?xml version="1.0" encoding="utf-8"?>
-<ds:datastoreItem xmlns:ds="http://schemas.openxmlformats.org/officeDocument/2006/customXml" ds:itemID="{7F97B18F-50BC-4F30-8373-93489E845F83}">
-  <ds:schemaRefs>
-    <ds:schemaRef ds:uri="http://schemas.microsoft.com/office/2006/metadata/properties"/>
-    <ds:schemaRef ds:uri="http://schemas.microsoft.com/office/infopath/2007/PartnerControls"/>
-    <ds:schemaRef ds:uri="http://schemas.microsoft.com/sharepoint/v3"/>
-    <ds:schemaRef ds:uri="71af3243-3dd4-4a8d-8c0d-dd76da1f02a5"/>
-    <ds:schemaRef ds:uri="230e9df3-be65-4c73-a93b-d1236ebd677e"/>
-  </ds:schemaRefs>
-</ds:datastoreItem>
+<file path=customXml/item2.xml><?xml version="1.0" encoding="utf-8"?>
+<?mso-contentType ?>
+<FormTemplates xmlns="http://schemas.microsoft.com/sharepoint/v3/contenttype/forms">
+  <Display>DocumentLibraryForm</Display>
+  <Edit>DocumentLibraryForm</Edit>
+  <New>DocumentLibraryForm</New>
+</FormTemplates>
 </file>
 
-<file path=customXml/itemProps2.xml><?xml version="1.0" encoding="utf-8"?>
-<ds:datastoreItem xmlns:ds="http://schemas.openxmlformats.org/officeDocument/2006/customXml" ds:itemID="{42BC90D6-94CF-42F7-AAC4-9CF6824C54D5}">
-  <ds:schemaRefs>
-    <ds:schemaRef ds:uri="http://schemas.microsoft.com/sharepoint/v3/contenttype/forms"/>
-  </ds:schemaRefs>
-</ds:datastoreItem>
+<file path=customXml/item3.xml><?xml version="1.0" encoding="utf-8"?>
+<p:properties xmlns:p="http://schemas.microsoft.com/office/2006/metadata/properties" xmlns:xsi="http://www.w3.org/2001/XMLSchema-instance" xmlns:pc="http://schemas.microsoft.com/office/infopath/2007/PartnerControls">
+  <documentManagement>
+    <_ip_UnifiedCompliancePolicyUIAction xmlns="http://schemas.microsoft.com/sharepoint/v3" xsi:nil="true"/>
+    <Image xmlns="71af3243-3dd4-4a8d-8c0d-dd76da1f02a5">
+      <Url xsi:nil="true"/>
+      <Description xsi:nil="true"/>
+    </Image>
+    <Status xmlns="71af3243-3dd4-4a8d-8c0d-dd76da1f02a5">Not started</Status>
+    <_ip_UnifiedCompliancePolicyProperties xmlns="http://schemas.microsoft.com/sharepoint/v3" xsi:nil="true"/>
+    <ImageTagsTaxHTField xmlns="71af3243-3dd4-4a8d-8c0d-dd76da1f02a5">
+      <Terms xmlns="http://schemas.microsoft.com/office/infopath/2007/PartnerControls"/>
+    </ImageTagsTaxHTField>
+    <TaxCatchAll xmlns="230e9df3-be65-4c73-a93b-d1236ebd677e"/>
+    <MediaServiceKeyPoints xmlns="71af3243-3dd4-4a8d-8c0d-dd76da1f02a5" xsi:nil="true"/>
+  </documentManagement>
+</p:properties>
 </file>
 
-<file path=customXml/itemProps3.xml><?xml version="1.0" encoding="utf-8"?>
+<file path=customXml/itemProps1.xml><?xml version="1.0" encoding="utf-8"?>
 <ds:datastoreItem xmlns:ds="http://schemas.openxmlformats.org/officeDocument/2006/customXml" ds:itemID="{64CF2EF3-001F-4BE9-81B3-86ECBBF9425F}">
   <ds:schemaRefs>
     <ds:schemaRef ds:uri="http://schemas.microsoft.com/office/2006/metadata/contentType"/>
@@ -18572,6 +18436,26 @@
 </ds:datastoreItem>
 </file>
 
+<file path=customXml/itemProps2.xml><?xml version="1.0" encoding="utf-8"?>
+<ds:datastoreItem xmlns:ds="http://schemas.openxmlformats.org/officeDocument/2006/customXml" ds:itemID="{42BC90D6-94CF-42F7-AAC4-9CF6824C54D5}">
+  <ds:schemaRefs>
+    <ds:schemaRef ds:uri="http://schemas.microsoft.com/sharepoint/v3/contenttype/forms"/>
+  </ds:schemaRefs>
+</ds:datastoreItem>
+</file>
+
+<file path=customXml/itemProps3.xml><?xml version="1.0" encoding="utf-8"?>
+<ds:datastoreItem xmlns:ds="http://schemas.openxmlformats.org/officeDocument/2006/customXml" ds:itemID="{7F97B18F-50BC-4F30-8373-93489E845F83}">
+  <ds:schemaRefs>
+    <ds:schemaRef ds:uri="http://schemas.microsoft.com/office/2006/metadata/properties"/>
+    <ds:schemaRef ds:uri="http://schemas.microsoft.com/office/infopath/2007/PartnerControls"/>
+    <ds:schemaRef ds:uri="http://schemas.microsoft.com/sharepoint/v3"/>
+    <ds:schemaRef ds:uri="71af3243-3dd4-4a8d-8c0d-dd76da1f02a5"/>
+    <ds:schemaRef ds:uri="230e9df3-be65-4c73-a93b-d1236ebd677e"/>
+  </ds:schemaRefs>
+</ds:datastoreItem>
+</file>
+
 <file path=docMetadata/LabelInfo.xml><?xml version="1.0" encoding="utf-8"?>
 <clbl:labelList xmlns:clbl="http://schemas.microsoft.com/office/2020/mipLabelMetadata">
   <clbl:label id="{f42aa342-8706-4288-bd11-ebb85995028c}" enabled="1" method="Standard" siteId="{72f988bf-86f1-41af-91ab-2d7cd011db47}" removed="0"/>
